--- a/Excercices/Final_driver_classes/MPRI Challenge - Student/Student_code/Presentation_Liva_Spinelli.pptx
+++ b/Excercices/Final_driver_classes/MPRI Challenge - Student/Student_code/Presentation_Liva_Spinelli.pptx
@@ -236,7 +236,7 @@
           <a:p>
             <a:fld id="{5B5E1530-8288-43AE-AB46-E445875D0B94}" type="datetimeFigureOut">
               <a:rPr lang="fr-CH" smtClean="0"/>
-              <a:t>08.12.2020</a:t>
+              <a:t>15.12.2020</a:t>
             </a:fld>
             <a:endParaRPr lang="fr-CH"/>
           </a:p>
@@ -414,7 +414,7 @@
           <a:p>
             <a:fld id="{921F11CE-7E04-443A-83BC-3A5AA6352286}" type="datetimeFigureOut">
               <a:rPr lang="fr-CH" smtClean="0"/>
-              <a:t>08.12.2020</a:t>
+              <a:t>15.12.2020</a:t>
             </a:fld>
             <a:endParaRPr lang="fr-CH"/>
           </a:p>
@@ -727,22 +727,7 @@
           <a:bodyPr/>
           <a:lstStyle/>
           <a:p>
-            <a:r>
-              <a:rPr lang="fr-CH" dirty="0"/>
-              <a:t>Skieur ! </a:t>
-            </a:r>
-          </a:p>
-          <a:p>
-            <a:r>
-              <a:rPr lang="fr-CH" dirty="0"/>
-              <a:t>Ce que j’ai fait ?</a:t>
-            </a:r>
-          </a:p>
-          <a:p>
-            <a:r>
-              <a:rPr lang="fr-CH" dirty="0"/>
-              <a:t>Difficulté ?</a:t>
-            </a:r>
+            <a:endParaRPr lang="fr-CH" dirty="0"/>
           </a:p>
         </p:txBody>
       </p:sp>
@@ -5058,7 +5043,7 @@
           <a:p>
             <a:fld id="{C85DBE74-61CD-4ADF-B584-1D1EB69F3248}" type="datetime1">
               <a:rPr lang="fr-CH" smtClean="0"/>
-              <a:t>08.12.2020</a:t>
+              <a:t>15.12.2020</a:t>
             </a:fld>
             <a:endParaRPr lang="fr-CH"/>
           </a:p>
@@ -5325,7 +5310,7 @@
           <a:p>
             <a:fld id="{931EA0C7-D12D-4EBA-8174-F0DE811F0626}" type="datetime1">
               <a:rPr lang="fr-CH" smtClean="0"/>
-              <a:t>08.12.2020</a:t>
+              <a:t>15.12.2020</a:t>
             </a:fld>
             <a:endParaRPr lang="fr-CH"/>
           </a:p>
@@ -5521,7 +5506,7 @@
           <a:p>
             <a:fld id="{19FDCFD6-79E5-4D46-84F5-C71F341E6AB0}" type="datetime1">
               <a:rPr lang="fr-CH" smtClean="0"/>
-              <a:t>08.12.2020</a:t>
+              <a:t>15.12.2020</a:t>
             </a:fld>
             <a:endParaRPr lang="fr-CH"/>
           </a:p>
@@ -5784,7 +5769,7 @@
           <a:p>
             <a:fld id="{84524D2B-59E2-4C28-8CE2-7FAEFD89A9A1}" type="datetime1">
               <a:rPr lang="fr-CH" smtClean="0"/>
-              <a:t>08.12.2020</a:t>
+              <a:t>15.12.2020</a:t>
             </a:fld>
             <a:endParaRPr lang="fr-CH"/>
           </a:p>
@@ -6218,7 +6203,7 @@
           <a:p>
             <a:fld id="{6E2F86B1-4028-4711-823B-79C9AE9311D8}" type="datetime1">
               <a:rPr lang="fr-CH" smtClean="0"/>
-              <a:t>08.12.2020</a:t>
+              <a:t>15.12.2020</a:t>
             </a:fld>
             <a:endParaRPr lang="fr-CH"/>
           </a:p>
@@ -6764,7 +6749,7 @@
           <a:p>
             <a:fld id="{14A3B036-8E19-4424-88F4-880A8B5CA0E3}" type="datetime1">
               <a:rPr lang="fr-CH" smtClean="0"/>
-              <a:t>08.12.2020</a:t>
+              <a:t>15.12.2020</a:t>
             </a:fld>
             <a:endParaRPr lang="fr-CH"/>
           </a:p>
@@ -7484,7 +7469,7 @@
           <a:p>
             <a:fld id="{367DD579-F8AA-4C7B-98BC-BF6E35EFF38C}" type="datetime1">
               <a:rPr lang="fr-CH" smtClean="0"/>
-              <a:t>08.12.2020</a:t>
+              <a:t>15.12.2020</a:t>
             </a:fld>
             <a:endParaRPr lang="fr-CH"/>
           </a:p>
@@ -7654,7 +7639,7 @@
           <a:p>
             <a:fld id="{5EA1BF17-974B-419A-82F8-EEE4B16A5F9D}" type="datetime1">
               <a:rPr lang="fr-CH" smtClean="0"/>
-              <a:t>08.12.2020</a:t>
+              <a:t>15.12.2020</a:t>
             </a:fld>
             <a:endParaRPr lang="fr-CH"/>
           </a:p>
@@ -7834,7 +7819,7 @@
           <a:p>
             <a:fld id="{EB982448-BFEE-4A96-A491-ABBC933620D1}" type="datetime1">
               <a:rPr lang="fr-CH" smtClean="0"/>
-              <a:t>08.12.2020</a:t>
+              <a:t>15.12.2020</a:t>
             </a:fld>
             <a:endParaRPr lang="fr-CH"/>
           </a:p>
@@ -8004,7 +7989,7 @@
           <a:p>
             <a:fld id="{D4191170-ECA5-44D4-90A1-11998CAED7F5}" type="datetime1">
               <a:rPr lang="fr-CH" smtClean="0"/>
-              <a:t>08.12.2020</a:t>
+              <a:t>15.12.2020</a:t>
             </a:fld>
             <a:endParaRPr lang="fr-CH"/>
           </a:p>
@@ -8254,7 +8239,7 @@
           <a:p>
             <a:fld id="{8D5C03D3-7A73-4BE9-99C3-E40BD0FC6026}" type="datetime1">
               <a:rPr lang="fr-CH" smtClean="0"/>
-              <a:t>08.12.2020</a:t>
+              <a:t>15.12.2020</a:t>
             </a:fld>
             <a:endParaRPr lang="fr-CH"/>
           </a:p>
@@ -8486,7 +8471,7 @@
           <a:p>
             <a:fld id="{04C6CB70-2DC5-4A70-8C6D-074DD3383C9E}" type="datetime1">
               <a:rPr lang="fr-CH" smtClean="0"/>
-              <a:t>08.12.2020</a:t>
+              <a:t>15.12.2020</a:t>
             </a:fld>
             <a:endParaRPr lang="fr-CH"/>
           </a:p>
@@ -8867,7 +8852,7 @@
           <a:p>
             <a:fld id="{CE070A27-2FB8-47D8-AF69-C4F20C9A3FC5}" type="datetime1">
               <a:rPr lang="fr-CH" smtClean="0"/>
-              <a:t>08.12.2020</a:t>
+              <a:t>15.12.2020</a:t>
             </a:fld>
             <a:endParaRPr lang="fr-CH"/>
           </a:p>
@@ -8985,7 +8970,7 @@
           <a:p>
             <a:fld id="{97D4807B-06F0-466E-8F70-87D015FBBC2C}" type="datetime1">
               <a:rPr lang="fr-CH" smtClean="0"/>
-              <a:t>08.12.2020</a:t>
+              <a:t>15.12.2020</a:t>
             </a:fld>
             <a:endParaRPr lang="fr-CH"/>
           </a:p>
@@ -9080,7 +9065,7 @@
           <a:p>
             <a:fld id="{C923ED5A-3743-4976-B229-EAA764961E6D}" type="datetime1">
               <a:rPr lang="fr-CH" smtClean="0"/>
-              <a:t>08.12.2020</a:t>
+              <a:t>15.12.2020</a:t>
             </a:fld>
             <a:endParaRPr lang="fr-CH"/>
           </a:p>
@@ -9329,7 +9314,7 @@
           <a:p>
             <a:fld id="{FB551C58-EA98-46BA-A9D7-A006A952A220}" type="datetime1">
               <a:rPr lang="fr-CH" smtClean="0"/>
-              <a:t>08.12.2020</a:t>
+              <a:t>15.12.2020</a:t>
             </a:fld>
             <a:endParaRPr lang="fr-CH"/>
           </a:p>
@@ -9609,7 +9594,7 @@
           <a:p>
             <a:fld id="{08D5535E-F242-499A-886B-C7ED1FCCF379}" type="datetime1">
               <a:rPr lang="fr-CH" smtClean="0"/>
-              <a:t>08.12.2020</a:t>
+              <a:t>15.12.2020</a:t>
             </a:fld>
             <a:endParaRPr lang="fr-CH"/>
           </a:p>
@@ -12686,7 +12671,7 @@
           <a:p>
             <a:fld id="{0AF0ABA2-45F2-4F28-ACC2-B98AD66EE65D}" type="datetime1">
               <a:rPr lang="fr-CH" smtClean="0"/>
-              <a:t>08.12.2020</a:t>
+              <a:t>15.12.2020</a:t>
             </a:fld>
             <a:endParaRPr lang="fr-CH"/>
           </a:p>
@@ -13319,63 +13304,11 @@
             </a:bodyPr>
             <a:lstStyle/>
             <a:p>
-              <a:pPr>
+              <a:pPr algn="ctr">
                 <a:lnSpc>
                   <a:spcPct val="150000"/>
                 </a:lnSpc>
               </a:pPr>
-              <a:r>
-                <a:rPr lang="fr-CH" sz="2400" dirty="0" err="1">
-                  <a:solidFill>
-                    <a:schemeClr val="tx1">
-                      <a:lumMod val="85000"/>
-                      <a:lumOff val="15000"/>
-                    </a:schemeClr>
-                  </a:solidFill>
-                  <a:latin typeface="+mj-lt"/>
-                  <a:cs typeface="Arial" pitchFamily="34" charset="0"/>
-                </a:rPr>
-                <a:t>Liva</a:t>
-              </a:r>
-              <a:r>
-                <a:rPr lang="fr-CH" sz="2400" dirty="0">
-                  <a:solidFill>
-                    <a:schemeClr val="tx1">
-                      <a:lumMod val="85000"/>
-                      <a:lumOff val="15000"/>
-                    </a:schemeClr>
-                  </a:solidFill>
-                  <a:latin typeface="+mj-lt"/>
-                  <a:cs typeface="Arial" pitchFamily="34" charset="0"/>
-                </a:rPr>
-                <a:t> </a:t>
-              </a:r>
-              <a:r>
-                <a:rPr lang="fr-CH" sz="2400" dirty="0" err="1">
-                  <a:solidFill>
-                    <a:schemeClr val="tx1">
-                      <a:lumMod val="85000"/>
-                      <a:lumOff val="15000"/>
-                    </a:schemeClr>
-                  </a:solidFill>
-                  <a:latin typeface="+mj-lt"/>
-                  <a:cs typeface="Arial" pitchFamily="34" charset="0"/>
-                </a:rPr>
-                <a:t>Razafimamonjy</a:t>
-              </a:r>
-              <a:r>
-                <a:rPr lang="fr-CH" sz="2400" dirty="0">
-                  <a:solidFill>
-                    <a:schemeClr val="tx1">
-                      <a:lumMod val="85000"/>
-                      <a:lumOff val="15000"/>
-                    </a:schemeClr>
-                  </a:solidFill>
-                  <a:latin typeface="+mj-lt"/>
-                  <a:cs typeface="Arial" pitchFamily="34" charset="0"/>
-                </a:rPr>
-                <a:t> et </a:t>
-              </a:r>
               <a:r>
                 <a:rPr lang="fr-FR" sz="2400" dirty="0">
                   <a:solidFill>
@@ -13387,11 +13320,31 @@
                   <a:latin typeface="+mj-lt"/>
                   <a:cs typeface="Arial" pitchFamily="34" charset="0"/>
                 </a:rPr>
-                <a:t>Spinelli Isaïa 			(SVM)				   (RF)</a:t>
+                <a:t>	Spinelli Isaïa 	 </a:t>
               </a:r>
             </a:p>
             <a:p>
-              <a:pPr>
+              <a:pPr algn="ctr">
+                <a:lnSpc>
+                  <a:spcPct val="150000"/>
+                </a:lnSpc>
+              </a:pPr>
+              <a:r>
+                <a:rPr lang="fr-FR" sz="2400" dirty="0">
+                  <a:solidFill>
+                    <a:schemeClr val="tx1">
+                      <a:lumMod val="85000"/>
+                      <a:lumOff val="15000"/>
+                    </a:schemeClr>
+                  </a:solidFill>
+                  <a:latin typeface="+mj-lt"/>
+                  <a:cs typeface="Arial" pitchFamily="34" charset="0"/>
+                </a:rPr>
+                <a:t>(RF)</a:t>
+              </a:r>
+            </a:p>
+            <a:p>
+              <a:pPr algn="ctr">
                 <a:lnSpc>
                   <a:spcPct val="150000"/>
                 </a:lnSpc>
@@ -13411,7 +13364,7 @@
               </a:r>
             </a:p>
             <a:p>
-              <a:pPr>
+              <a:pPr algn="ctr">
                 <a:lnSpc>
                   <a:spcPct val="150000"/>
                 </a:lnSpc>
@@ -13427,11 +13380,11 @@
                   <a:latin typeface="+mj-lt"/>
                   <a:cs typeface="Arial" pitchFamily="34" charset="0"/>
                 </a:rPr>
-                <a:t>Le 15 septembre 2020</a:t>
+                <a:t>Le 15 décembre 2020</a:t>
               </a:r>
             </a:p>
             <a:p>
-              <a:pPr>
+              <a:pPr algn="ctr">
                 <a:lnSpc>
                   <a:spcPct val="150000"/>
                 </a:lnSpc>
@@ -13452,30 +13405,133 @@
       </p:grpSp>
       <p:sp>
         <p:nvSpPr>
-          <p:cNvPr id="2" name="Espace réservé du numéro de diapositive 1">
+          <p:cNvPr id="9" name="Espace réservé du numéro de diapositive 6">
             <a:extLst>
               <a:ext uri="{FF2B5EF4-FFF2-40B4-BE49-F238E27FC236}">
-                <a16:creationId xmlns:a16="http://schemas.microsoft.com/office/drawing/2014/main" id="{42703CF9-987F-4B0A-9F82-D5205B898732}"/>
+                <a16:creationId xmlns:a16="http://schemas.microsoft.com/office/drawing/2014/main" id="{58E5C327-5B58-4463-9BE4-62376B7AC7BE}"/>
               </a:ext>
             </a:extLst>
           </p:cNvPr>
-          <p:cNvSpPr>
-            <a:spLocks noGrp="1"/>
+          <p:cNvSpPr txBox="1">
+            <a:spLocks/>
           </p:cNvSpPr>
-          <p:nvPr>
-            <p:ph type="sldNum" sz="quarter" idx="12"/>
-          </p:nvPr>
+          <p:nvPr/>
         </p:nvSpPr>
-        <p:spPr/>
+        <p:spPr>
+          <a:xfrm>
+            <a:off x="11213093" y="6231049"/>
+            <a:ext cx="771089" cy="365125"/>
+          </a:xfrm>
+          <a:prstGeom prst="rect">
+            <a:avLst/>
+          </a:prstGeom>
+        </p:spPr>
         <p:txBody>
-          <a:bodyPr/>
-          <a:lstStyle/>
+          <a:bodyPr vert="horz" lIns="91440" tIns="45720" rIns="91440" bIns="45720" rtlCol="0" anchor="ctr"/>
+          <a:lstStyle>
+            <a:defPPr>
+              <a:defRPr lang="en-US"/>
+            </a:defPPr>
+            <a:lvl1pPr marL="0" algn="r" defTabSz="457200" rtl="0" eaLnBrk="1" latinLnBrk="0" hangingPunct="1">
+              <a:defRPr sz="1050" kern="1200">
+                <a:solidFill>
+                  <a:schemeClr val="tx1">
+                    <a:tint val="75000"/>
+                  </a:schemeClr>
+                </a:solidFill>
+                <a:latin typeface="+mn-lt"/>
+                <a:ea typeface="+mn-ea"/>
+                <a:cs typeface="+mn-cs"/>
+              </a:defRPr>
+            </a:lvl1pPr>
+            <a:lvl2pPr marL="457200" algn="l" defTabSz="457200" rtl="0" eaLnBrk="1" latinLnBrk="0" hangingPunct="1">
+              <a:defRPr sz="1800" kern="1200">
+                <a:solidFill>
+                  <a:schemeClr val="tx1"/>
+                </a:solidFill>
+                <a:latin typeface="+mn-lt"/>
+                <a:ea typeface="+mn-ea"/>
+                <a:cs typeface="+mn-cs"/>
+              </a:defRPr>
+            </a:lvl2pPr>
+            <a:lvl3pPr marL="914400" algn="l" defTabSz="457200" rtl="0" eaLnBrk="1" latinLnBrk="0" hangingPunct="1">
+              <a:defRPr sz="1800" kern="1200">
+                <a:solidFill>
+                  <a:schemeClr val="tx1"/>
+                </a:solidFill>
+                <a:latin typeface="+mn-lt"/>
+                <a:ea typeface="+mn-ea"/>
+                <a:cs typeface="+mn-cs"/>
+              </a:defRPr>
+            </a:lvl3pPr>
+            <a:lvl4pPr marL="1371600" algn="l" defTabSz="457200" rtl="0" eaLnBrk="1" latinLnBrk="0" hangingPunct="1">
+              <a:defRPr sz="1800" kern="1200">
+                <a:solidFill>
+                  <a:schemeClr val="tx1"/>
+                </a:solidFill>
+                <a:latin typeface="+mn-lt"/>
+                <a:ea typeface="+mn-ea"/>
+                <a:cs typeface="+mn-cs"/>
+              </a:defRPr>
+            </a:lvl4pPr>
+            <a:lvl5pPr marL="1828800" algn="l" defTabSz="457200" rtl="0" eaLnBrk="1" latinLnBrk="0" hangingPunct="1">
+              <a:defRPr sz="1800" kern="1200">
+                <a:solidFill>
+                  <a:schemeClr val="tx1"/>
+                </a:solidFill>
+                <a:latin typeface="+mn-lt"/>
+                <a:ea typeface="+mn-ea"/>
+                <a:cs typeface="+mn-cs"/>
+              </a:defRPr>
+            </a:lvl5pPr>
+            <a:lvl6pPr marL="2286000" algn="l" defTabSz="457200" rtl="0" eaLnBrk="1" latinLnBrk="0" hangingPunct="1">
+              <a:defRPr sz="1800" kern="1200">
+                <a:solidFill>
+                  <a:schemeClr val="tx1"/>
+                </a:solidFill>
+                <a:latin typeface="+mn-lt"/>
+                <a:ea typeface="+mn-ea"/>
+                <a:cs typeface="+mn-cs"/>
+              </a:defRPr>
+            </a:lvl6pPr>
+            <a:lvl7pPr marL="2743200" algn="l" defTabSz="457200" rtl="0" eaLnBrk="1" latinLnBrk="0" hangingPunct="1">
+              <a:defRPr sz="1800" kern="1200">
+                <a:solidFill>
+                  <a:schemeClr val="tx1"/>
+                </a:solidFill>
+                <a:latin typeface="+mn-lt"/>
+                <a:ea typeface="+mn-ea"/>
+                <a:cs typeface="+mn-cs"/>
+              </a:defRPr>
+            </a:lvl7pPr>
+            <a:lvl8pPr marL="3200400" algn="l" defTabSz="457200" rtl="0" eaLnBrk="1" latinLnBrk="0" hangingPunct="1">
+              <a:defRPr sz="1800" kern="1200">
+                <a:solidFill>
+                  <a:schemeClr val="tx1"/>
+                </a:solidFill>
+                <a:latin typeface="+mn-lt"/>
+                <a:ea typeface="+mn-ea"/>
+                <a:cs typeface="+mn-cs"/>
+              </a:defRPr>
+            </a:lvl8pPr>
+            <a:lvl9pPr marL="3657600" algn="l" defTabSz="457200" rtl="0" eaLnBrk="1" latinLnBrk="0" hangingPunct="1">
+              <a:defRPr sz="1800" kern="1200">
+                <a:solidFill>
+                  <a:schemeClr val="tx1"/>
+                </a:solidFill>
+                <a:latin typeface="+mn-lt"/>
+                <a:ea typeface="+mn-ea"/>
+                <a:cs typeface="+mn-cs"/>
+              </a:defRPr>
+            </a:lvl9pPr>
+          </a:lstStyle>
           <a:p>
             <a:fld id="{F955F590-5AB9-48C1-8847-388DB7467CFE}" type="slidenum">
-              <a:rPr lang="fr-CH" smtClean="0"/>
+              <a:rPr lang="fr-CH" sz="2800" smtClean="0"/>
+              <a:pPr/>
               <a:t>1</a:t>
             </a:fld>
-            <a:endParaRPr lang="fr-CH"/>
+            <a:endParaRPr lang="fr-CH" sz="2800" dirty="0"/>
           </a:p>
         </p:txBody>
       </p:sp>
@@ -13617,7 +13673,7 @@
               <a:pPr algn="ctr"/>
               <a:r>
                 <a:rPr lang="fr-CH" sz="4800" dirty="0"/>
-                <a:t>Affichage performances moyennes</a:t>
+                <a:t>Affichage des performances moyennes</a:t>
               </a:r>
             </a:p>
           </p:txBody>
@@ -14021,6 +14077,36 @@
           </a:prstGeom>
         </p:spPr>
       </p:pic>
+      <p:pic>
+        <p:nvPicPr>
+          <p:cNvPr id="4" name="Image 3">
+            <a:extLst>
+              <a:ext uri="{FF2B5EF4-FFF2-40B4-BE49-F238E27FC236}">
+                <a16:creationId xmlns:a16="http://schemas.microsoft.com/office/drawing/2014/main" id="{8B2939CC-641E-4912-BD92-1F3530CBD41A}"/>
+              </a:ext>
+            </a:extLst>
+          </p:cNvPr>
+          <p:cNvPicPr>
+            <a:picLocks noChangeAspect="1"/>
+          </p:cNvPicPr>
+          <p:nvPr/>
+        </p:nvPicPr>
+        <p:blipFill>
+          <a:blip r:embed="rId3"/>
+          <a:stretch>
+            <a:fillRect/>
+          </a:stretch>
+        </p:blipFill>
+        <p:spPr>
+          <a:xfrm>
+            <a:off x="2786141" y="6364171"/>
+            <a:ext cx="8426952" cy="474758"/>
+          </a:xfrm>
+          <a:prstGeom prst="rect">
+            <a:avLst/>
+          </a:prstGeom>
+        </p:spPr>
+      </p:pic>
     </p:spTree>
     <p:extLst>
       <p:ext uri="{BB962C8B-B14F-4D97-AF65-F5344CB8AC3E}">
@@ -14031,6 +14117,81 @@
   <p:clrMapOvr>
     <a:masterClrMapping/>
   </p:clrMapOvr>
+  <p:timing>
+    <p:tnLst>
+      <p:par>
+        <p:cTn id="1" dur="indefinite" restart="never" nodeType="tmRoot">
+          <p:childTnLst>
+            <p:seq concurrent="1" nextAc="seek">
+              <p:cTn id="2" dur="indefinite" nodeType="mainSeq">
+                <p:childTnLst>
+                  <p:par>
+                    <p:cTn id="3" fill="hold">
+                      <p:stCondLst>
+                        <p:cond delay="indefinite"/>
+                      </p:stCondLst>
+                      <p:childTnLst>
+                        <p:par>
+                          <p:cTn id="4" fill="hold">
+                            <p:stCondLst>
+                              <p:cond delay="0"/>
+                            </p:stCondLst>
+                            <p:childTnLst>
+                              <p:par>
+                                <p:cTn id="5" presetID="1" presetClass="entr" presetSubtype="0" fill="hold" nodeType="clickEffect">
+                                  <p:stCondLst>
+                                    <p:cond delay="0"/>
+                                  </p:stCondLst>
+                                  <p:childTnLst>
+                                    <p:set>
+                                      <p:cBhvr>
+                                        <p:cTn id="6" dur="1" fill="hold">
+                                          <p:stCondLst>
+                                            <p:cond delay="0"/>
+                                          </p:stCondLst>
+                                        </p:cTn>
+                                        <p:tgtEl>
+                                          <p:spTgt spid="4"/>
+                                        </p:tgtEl>
+                                        <p:attrNameLst>
+                                          <p:attrName>style.visibility</p:attrName>
+                                        </p:attrNameLst>
+                                      </p:cBhvr>
+                                      <p:to>
+                                        <p:strVal val="visible"/>
+                                      </p:to>
+                                    </p:set>
+                                  </p:childTnLst>
+                                </p:cTn>
+                              </p:par>
+                            </p:childTnLst>
+                          </p:cTn>
+                        </p:par>
+                      </p:childTnLst>
+                    </p:cTn>
+                  </p:par>
+                </p:childTnLst>
+              </p:cTn>
+              <p:prevCondLst>
+                <p:cond evt="onPrev" delay="0">
+                  <p:tgtEl>
+                    <p:sldTgt/>
+                  </p:tgtEl>
+                </p:cond>
+              </p:prevCondLst>
+              <p:nextCondLst>
+                <p:cond evt="onNext" delay="0">
+                  <p:tgtEl>
+                    <p:sldTgt/>
+                  </p:tgtEl>
+                </p:cond>
+              </p:nextCondLst>
+            </p:seq>
+          </p:childTnLst>
+        </p:cTn>
+      </p:par>
+    </p:tnLst>
+  </p:timing>
 </p:sld>
 </file>
 
@@ -14213,8 +14374,8 @@
         </p:nvSpPr>
         <p:spPr>
           <a:xfrm>
-            <a:off x="3963128" y="1465562"/>
-            <a:ext cx="4265743" cy="5262979"/>
+            <a:off x="5192597" y="1164134"/>
+            <a:ext cx="5070340" cy="5693866"/>
           </a:xfrm>
           <a:prstGeom prst="rect">
             <a:avLst/>
@@ -14228,77 +14389,77 @@
           <a:lstStyle/>
           <a:p>
             <a:r>
-              <a:rPr lang="fr-CH" sz="2400" dirty="0"/>
-              <a:t>A :	 	0	-	X	= </a:t>
+              <a:rPr lang="fr-CH" sz="2800" dirty="0"/>
+              <a:t>A :	 	0	</a:t>
             </a:r>
           </a:p>
           <a:p>
             <a:r>
-              <a:rPr lang="fr-CH" sz="2400" dirty="0"/>
-              <a:t>B : 		1	-	X	=</a:t>
+              <a:rPr lang="fr-CH" sz="2800" dirty="0"/>
+              <a:t>B : 		1	</a:t>
             </a:r>
           </a:p>
           <a:p>
             <a:r>
-              <a:rPr lang="fr-CH" sz="2400" dirty="0"/>
-              <a:t>C : 		1	-	X	=</a:t>
+              <a:rPr lang="fr-CH" sz="2800" dirty="0"/>
+              <a:t>C : 	1	</a:t>
             </a:r>
           </a:p>
           <a:p>
             <a:r>
-              <a:rPr lang="fr-CH" sz="2400" dirty="0"/>
-              <a:t>D : 		0	-	X	=</a:t>
+              <a:rPr lang="fr-CH" sz="2800" dirty="0"/>
+              <a:t>D : 	0	</a:t>
             </a:r>
           </a:p>
           <a:p>
             <a:r>
-              <a:rPr lang="fr-CH" sz="2400" dirty="0"/>
-              <a:t>E : 		0	-	X	=</a:t>
+              <a:rPr lang="fr-CH" sz="2800" dirty="0"/>
+              <a:t>E : 		0</a:t>
             </a:r>
           </a:p>
           <a:p>
             <a:r>
-              <a:rPr lang="fr-CH" sz="2400" dirty="0"/>
-              <a:t>F : 		0	-	X	=</a:t>
+              <a:rPr lang="fr-CH" sz="2800" dirty="0"/>
+              <a:t>F : 		0</a:t>
             </a:r>
           </a:p>
           <a:p>
             <a:r>
-              <a:rPr lang="fr-CH" sz="2400" dirty="0"/>
-              <a:t>G : 	0	-	X	=</a:t>
+              <a:rPr lang="fr-CH" sz="2800" dirty="0"/>
+              <a:t>G : 	0	</a:t>
             </a:r>
           </a:p>
           <a:p>
             <a:r>
-              <a:rPr lang="fr-CH" sz="2400" dirty="0"/>
-              <a:t>H : 		1	-	X	=</a:t>
+              <a:rPr lang="fr-CH" sz="2800" dirty="0"/>
+              <a:t>H : 	1	</a:t>
             </a:r>
           </a:p>
           <a:p>
             <a:r>
-              <a:rPr lang="fr-CH" sz="2400" dirty="0"/>
-              <a:t>I : 		0	-	X	=</a:t>
+              <a:rPr lang="fr-CH" sz="2800" dirty="0"/>
+              <a:t>I : 		0</a:t>
             </a:r>
           </a:p>
           <a:p>
             <a:r>
-              <a:rPr lang="fr-CH" sz="2400" dirty="0"/>
-              <a:t>J : 		1	-	X	=</a:t>
+              <a:rPr lang="fr-CH" sz="2800" dirty="0"/>
+              <a:t>J : 		1</a:t>
             </a:r>
           </a:p>
           <a:p>
             <a:r>
-              <a:rPr lang="fr-CH" sz="2400" dirty="0"/>
-              <a:t>K : 		1	-	X	=</a:t>
+              <a:rPr lang="fr-CH" sz="2800" dirty="0"/>
+              <a:t>K : 	1	</a:t>
             </a:r>
           </a:p>
           <a:p>
             <a:r>
-              <a:rPr lang="fr-CH" sz="2400" dirty="0"/>
+              <a:rPr lang="fr-CH" sz="2800" dirty="0"/>
               <a:t>L : 		</a:t>
             </a:r>
             <a:r>
-              <a:rPr lang="fr-CH" sz="2400" b="1" dirty="0">
+              <a:rPr lang="fr-CH" sz="2800" b="1" dirty="0">
                 <a:solidFill>
                   <a:srgbClr val="FF5050"/>
                 </a:solidFill>
@@ -14306,25 +14467,22 @@
               <a:t>1</a:t>
             </a:r>
             <a:r>
-              <a:rPr lang="fr-CH" sz="2400" dirty="0"/>
-              <a:t>	-	X	=</a:t>
+              <a:rPr lang="fr-CH" sz="2800" dirty="0"/>
+              <a:t>	</a:t>
             </a:r>
           </a:p>
           <a:p>
-            <a:endParaRPr lang="fr-CH" sz="2400" dirty="0"/>
-          </a:p>
-          <a:p>
             <a:r>
-              <a:rPr lang="fr-CH" sz="2400" i="0" u="none" strike="noStrike" dirty="0">
+              <a:rPr lang="fr-CH" sz="2800" i="0" u="none" strike="noStrike" dirty="0">
                 <a:solidFill>
                   <a:srgbClr val="000000"/>
                 </a:solidFill>
                 <a:effectLst/>
                 <a:latin typeface="Calibri" panose="020F0502020204030204" pitchFamily="34" charset="0"/>
               </a:rPr>
-              <a:t>AM :    	87.2	-	X	=	</a:t>
+              <a:t>AM :    	87.2</a:t>
             </a:r>
-            <a:endParaRPr lang="fr-CH" sz="2400" dirty="0"/>
+            <a:endParaRPr lang="fr-CH" sz="2800" dirty="0"/>
           </a:p>
         </p:txBody>
       </p:sp>
@@ -14389,7 +14547,7 @@
         </p:blipFill>
         <p:spPr>
           <a:xfrm>
-            <a:off x="5950084" y="2016182"/>
+            <a:off x="6799501" y="1480791"/>
             <a:ext cx="1549937" cy="1549937"/>
           </a:xfrm>
           <a:prstGeom prst="rect">
@@ -14428,7 +14586,7 @@
         </p:blipFill>
         <p:spPr>
           <a:xfrm>
-            <a:off x="3253704" y="2791150"/>
+            <a:off x="2118240" y="2566838"/>
             <a:ext cx="1724324" cy="1724324"/>
           </a:xfrm>
           <a:prstGeom prst="rect">
@@ -14552,7 +14710,7 @@
         </p:blipFill>
         <p:spPr>
           <a:xfrm>
-            <a:off x="582944" y="1682360"/>
+            <a:off x="4019335" y="325010"/>
             <a:ext cx="1930749" cy="1930749"/>
           </a:xfrm>
           <a:prstGeom prst="rect">
@@ -14607,43 +14765,133 @@
       </p:pic>
       <p:sp>
         <p:nvSpPr>
-          <p:cNvPr id="46" name="Espace réservé du numéro de diapositive 2">
+          <p:cNvPr id="10" name="Espace réservé du numéro de diapositive 6">
             <a:extLst>
               <a:ext uri="{FF2B5EF4-FFF2-40B4-BE49-F238E27FC236}">
-                <a16:creationId xmlns:a16="http://schemas.microsoft.com/office/drawing/2014/main" id="{A817B15B-93EA-4189-B65A-29BBDF642852}"/>
+                <a16:creationId xmlns:a16="http://schemas.microsoft.com/office/drawing/2014/main" id="{97102ED7-4FE6-431B-9196-5026F13473A3}"/>
               </a:ext>
             </a:extLst>
           </p:cNvPr>
-          <p:cNvSpPr>
-            <a:spLocks noGrp="1"/>
+          <p:cNvSpPr txBox="1">
+            <a:spLocks/>
           </p:cNvSpPr>
-          <p:nvPr>
-            <p:ph type="sldNum" sz="quarter" idx="12"/>
-          </p:nvPr>
+          <p:nvPr/>
         </p:nvSpPr>
         <p:spPr>
           <a:xfrm>
-            <a:off x="9388010" y="614028"/>
-            <a:ext cx="2743200" cy="365125"/>
+            <a:off x="11213093" y="6231049"/>
+            <a:ext cx="771089" cy="365125"/>
           </a:xfrm>
+          <a:prstGeom prst="rect">
+            <a:avLst/>
+          </a:prstGeom>
         </p:spPr>
         <p:txBody>
-          <a:bodyPr/>
-          <a:lstStyle/>
-          <a:p>
-            <a:fld id="{F955F590-5AB9-48C1-8847-388DB7467CFE}" type="slidenum">
-              <a:rPr lang="fr-CH" sz="1800" smtClean="0">
+          <a:bodyPr vert="horz" lIns="91440" tIns="45720" rIns="91440" bIns="45720" rtlCol="0" anchor="ctr"/>
+          <a:lstStyle>
+            <a:defPPr>
+              <a:defRPr lang="en-US"/>
+            </a:defPPr>
+            <a:lvl1pPr marL="0" algn="r" defTabSz="457200" rtl="0" eaLnBrk="1" latinLnBrk="0" hangingPunct="1">
+              <a:defRPr sz="1050" kern="1200">
+                <a:solidFill>
+                  <a:schemeClr val="tx1">
+                    <a:tint val="75000"/>
+                  </a:schemeClr>
+                </a:solidFill>
+                <a:latin typeface="+mn-lt"/>
+                <a:ea typeface="+mn-ea"/>
+                <a:cs typeface="+mn-cs"/>
+              </a:defRPr>
+            </a:lvl1pPr>
+            <a:lvl2pPr marL="457200" algn="l" defTabSz="457200" rtl="0" eaLnBrk="1" latinLnBrk="0" hangingPunct="1">
+              <a:defRPr sz="1800" kern="1200">
                 <a:solidFill>
                   <a:schemeClr val="tx1"/>
                 </a:solidFill>
-              </a:rPr>
+                <a:latin typeface="+mn-lt"/>
+                <a:ea typeface="+mn-ea"/>
+                <a:cs typeface="+mn-cs"/>
+              </a:defRPr>
+            </a:lvl2pPr>
+            <a:lvl3pPr marL="914400" algn="l" defTabSz="457200" rtl="0" eaLnBrk="1" latinLnBrk="0" hangingPunct="1">
+              <a:defRPr sz="1800" kern="1200">
+                <a:solidFill>
+                  <a:schemeClr val="tx1"/>
+                </a:solidFill>
+                <a:latin typeface="+mn-lt"/>
+                <a:ea typeface="+mn-ea"/>
+                <a:cs typeface="+mn-cs"/>
+              </a:defRPr>
+            </a:lvl3pPr>
+            <a:lvl4pPr marL="1371600" algn="l" defTabSz="457200" rtl="0" eaLnBrk="1" latinLnBrk="0" hangingPunct="1">
+              <a:defRPr sz="1800" kern="1200">
+                <a:solidFill>
+                  <a:schemeClr val="tx1"/>
+                </a:solidFill>
+                <a:latin typeface="+mn-lt"/>
+                <a:ea typeface="+mn-ea"/>
+                <a:cs typeface="+mn-cs"/>
+              </a:defRPr>
+            </a:lvl4pPr>
+            <a:lvl5pPr marL="1828800" algn="l" defTabSz="457200" rtl="0" eaLnBrk="1" latinLnBrk="0" hangingPunct="1">
+              <a:defRPr sz="1800" kern="1200">
+                <a:solidFill>
+                  <a:schemeClr val="tx1"/>
+                </a:solidFill>
+                <a:latin typeface="+mn-lt"/>
+                <a:ea typeface="+mn-ea"/>
+                <a:cs typeface="+mn-cs"/>
+              </a:defRPr>
+            </a:lvl5pPr>
+            <a:lvl6pPr marL="2286000" algn="l" defTabSz="457200" rtl="0" eaLnBrk="1" latinLnBrk="0" hangingPunct="1">
+              <a:defRPr sz="1800" kern="1200">
+                <a:solidFill>
+                  <a:schemeClr val="tx1"/>
+                </a:solidFill>
+                <a:latin typeface="+mn-lt"/>
+                <a:ea typeface="+mn-ea"/>
+                <a:cs typeface="+mn-cs"/>
+              </a:defRPr>
+            </a:lvl6pPr>
+            <a:lvl7pPr marL="2743200" algn="l" defTabSz="457200" rtl="0" eaLnBrk="1" latinLnBrk="0" hangingPunct="1">
+              <a:defRPr sz="1800" kern="1200">
+                <a:solidFill>
+                  <a:schemeClr val="tx1"/>
+                </a:solidFill>
+                <a:latin typeface="+mn-lt"/>
+                <a:ea typeface="+mn-ea"/>
+                <a:cs typeface="+mn-cs"/>
+              </a:defRPr>
+            </a:lvl7pPr>
+            <a:lvl8pPr marL="3200400" algn="l" defTabSz="457200" rtl="0" eaLnBrk="1" latinLnBrk="0" hangingPunct="1">
+              <a:defRPr sz="1800" kern="1200">
+                <a:solidFill>
+                  <a:schemeClr val="tx1"/>
+                </a:solidFill>
+                <a:latin typeface="+mn-lt"/>
+                <a:ea typeface="+mn-ea"/>
+                <a:cs typeface="+mn-cs"/>
+              </a:defRPr>
+            </a:lvl8pPr>
+            <a:lvl9pPr marL="3657600" algn="l" defTabSz="457200" rtl="0" eaLnBrk="1" latinLnBrk="0" hangingPunct="1">
+              <a:defRPr sz="1800" kern="1200">
+                <a:solidFill>
+                  <a:schemeClr val="tx1"/>
+                </a:solidFill>
+                <a:latin typeface="+mn-lt"/>
+                <a:ea typeface="+mn-ea"/>
+                <a:cs typeface="+mn-cs"/>
+              </a:defRPr>
+            </a:lvl9pPr>
+          </a:lstStyle>
+          <a:p>
+            <a:fld id="{F955F590-5AB9-48C1-8847-388DB7467CFE}" type="slidenum">
+              <a:rPr lang="fr-CH" sz="2800" smtClean="0"/>
+              <a:pPr/>
               <a:t>13</a:t>
             </a:fld>
-            <a:endParaRPr lang="fr-CH" dirty="0">
-              <a:solidFill>
-                <a:schemeClr val="tx1"/>
-              </a:solidFill>
-            </a:endParaRPr>
+            <a:endParaRPr lang="fr-CH" sz="2800" dirty="0"/>
           </a:p>
         </p:txBody>
       </p:sp>
@@ -14848,8 +15096,8 @@
         </p:nvSpPr>
         <p:spPr>
           <a:xfrm>
-            <a:off x="2400300" y="1295030"/>
-            <a:ext cx="9583882" cy="5506251"/>
+            <a:off x="3003201" y="1163285"/>
+            <a:ext cx="9583882" cy="7693388"/>
           </a:xfrm>
           <a:prstGeom prst="rect">
             <a:avLst/>
@@ -14864,7 +15112,7 @@
           <a:p>
             <a:pPr marL="514350" indent="-514350">
               <a:lnSpc>
-                <a:spcPct val="107000"/>
+                <a:spcPct val="250000"/>
               </a:lnSpc>
               <a:spcAft>
                 <a:spcPts val="800"/>
@@ -14876,13 +15124,13 @@
                 <a:latin typeface="Calibri" panose="020F0502020204030204" pitchFamily="34" charset="0"/>
                 <a:cs typeface="Times New Roman" panose="02020603050405020304" pitchFamily="18" charset="0"/>
               </a:rPr>
-              <a:t>Présentation générale 							(isaia)</a:t>
+              <a:t>Présentation générale 							</a:t>
             </a:r>
           </a:p>
           <a:p>
             <a:pPr marL="514350" indent="-514350">
               <a:lnSpc>
-                <a:spcPct val="107000"/>
+                <a:spcPct val="250000"/>
               </a:lnSpc>
               <a:spcAft>
                 <a:spcPts val="800"/>
@@ -14895,13 +15143,13 @@
                 <a:latin typeface="Calibri" panose="020F0502020204030204" pitchFamily="34" charset="0"/>
                 <a:cs typeface="Times New Roman" panose="02020603050405020304" pitchFamily="18" charset="0"/>
               </a:rPr>
-              <a:t>Présentation succincte de chaque étape	(isaia)</a:t>
+              <a:t>Présentation succincte de chaque étape	</a:t>
             </a:r>
           </a:p>
           <a:p>
             <a:pPr marL="514350" indent="-514350">
               <a:lnSpc>
-                <a:spcPct val="107000"/>
+                <a:spcPct val="250000"/>
               </a:lnSpc>
               <a:spcAft>
                 <a:spcPts val="800"/>
@@ -14914,13 +15162,13 @@
                 <a:latin typeface="Calibri" panose="020F0502020204030204" pitchFamily="34" charset="0"/>
                 <a:cs typeface="Times New Roman" panose="02020603050405020304" pitchFamily="18" charset="0"/>
               </a:rPr>
-              <a:t>Évolution des résultat								(isaia)</a:t>
+              <a:t>Évolution des résultats							</a:t>
             </a:r>
           </a:p>
           <a:p>
             <a:pPr marL="514350" indent="-514350">
               <a:lnSpc>
-                <a:spcPct val="107000"/>
+                <a:spcPct val="250000"/>
               </a:lnSpc>
               <a:spcAft>
                 <a:spcPts val="800"/>
@@ -14933,40 +15181,7 @@
                 <a:latin typeface="Calibri" panose="020F0502020204030204" pitchFamily="34" charset="0"/>
                 <a:cs typeface="Times New Roman" panose="02020603050405020304" pitchFamily="18" charset="0"/>
               </a:rPr>
-              <a:t>… 									(</a:t>
-            </a:r>
-            <a:r>
-              <a:rPr lang="fr-CH" sz="3200" dirty="0" err="1">
-                <a:latin typeface="Calibri" panose="020F0502020204030204" pitchFamily="34" charset="0"/>
-                <a:cs typeface="Times New Roman" panose="02020603050405020304" pitchFamily="18" charset="0"/>
-              </a:rPr>
-              <a:t>Liva</a:t>
-            </a:r>
-            <a:r>
-              <a:rPr lang="fr-CH" sz="3200" dirty="0">
-                <a:latin typeface="Calibri" panose="020F0502020204030204" pitchFamily="34" charset="0"/>
-                <a:cs typeface="Times New Roman" panose="02020603050405020304" pitchFamily="18" charset="0"/>
-              </a:rPr>
-              <a:t>)</a:t>
-            </a:r>
-          </a:p>
-          <a:p>
-            <a:pPr marL="514350" indent="-514350">
-              <a:lnSpc>
-                <a:spcPct val="107000"/>
-              </a:lnSpc>
-              <a:spcAft>
-                <a:spcPts val="800"/>
-              </a:spcAft>
-              <a:buFontTx/>
-              <a:buAutoNum type="arabicPeriod"/>
-            </a:pPr>
-            <a:r>
-              <a:rPr lang="fr-CH" sz="3200" dirty="0">
-                <a:latin typeface="Calibri" panose="020F0502020204030204" pitchFamily="34" charset="0"/>
-                <a:cs typeface="Times New Roman" panose="02020603050405020304" pitchFamily="18" charset="0"/>
-              </a:rPr>
-              <a:t>Fusion</a:t>
+              <a:t>Résultat final</a:t>
             </a:r>
           </a:p>
           <a:p>
@@ -15469,21 +15684,8 @@
             <a:pPr algn="ctr"/>
             <a:r>
               <a:rPr lang="fr-CH" dirty="0"/>
-              <a:t>Simple split 80% </a:t>
+              <a:t>Simple split 80% trainset &amp; testset</a:t>
             </a:r>
-            <a:r>
-              <a:rPr lang="fr-CH" dirty="0" err="1"/>
-              <a:t>trainset</a:t>
-            </a:r>
-            <a:r>
-              <a:rPr lang="fr-CH" dirty="0"/>
-              <a:t> &amp; </a:t>
-            </a:r>
-            <a:r>
-              <a:rPr lang="fr-CH" dirty="0" err="1"/>
-              <a:t>testset</a:t>
-            </a:r>
-            <a:endParaRPr lang="fr-CH" dirty="0"/>
           </a:p>
         </p:txBody>
       </p:sp>
@@ -15531,13 +15733,8 @@
             <a:pPr algn="ctr"/>
             <a:r>
               <a:rPr lang="fr-CH" dirty="0"/>
-              <a:t>Train / Score / </a:t>
+              <a:t>Train / Score / Predict</a:t>
             </a:r>
-            <a:r>
-              <a:rPr lang="fr-CH" dirty="0" err="1"/>
-              <a:t>Predict</a:t>
-            </a:r>
-            <a:endParaRPr lang="fr-CH" dirty="0"/>
           </a:p>
         </p:txBody>
       </p:sp>
@@ -15874,8 +16071,8 @@
         </p:nvSpPr>
         <p:spPr>
           <a:xfrm>
-            <a:off x="3336756" y="2583912"/>
-            <a:ext cx="1911565" cy="1145512"/>
+            <a:off x="3182110" y="2583912"/>
+            <a:ext cx="2066212" cy="1145512"/>
           </a:xfrm>
           <a:prstGeom prst="roundRect">
             <a:avLst/>
@@ -15888,7 +16085,7 @@
               <a:gs pos="0">
                 <a:srgbClr val="FF0000"/>
               </a:gs>
-              <a:gs pos="67000">
+              <a:gs pos="98000">
                 <a:schemeClr val="accent1"/>
               </a:gs>
             </a:gsLst>
@@ -15919,7 +16116,7 @@
             <a:pPr algn="ctr"/>
             <a:r>
               <a:rPr lang="fr-CH" dirty="0"/>
-              <a:t>Traitement des données</a:t>
+              <a:t>Traitement des données + sauvegarde</a:t>
             </a:r>
           </a:p>
         </p:txBody>
@@ -16079,8 +16276,8 @@
         </p:nvSpPr>
         <p:spPr>
           <a:xfrm>
-            <a:off x="3336757" y="4084034"/>
-            <a:ext cx="1911566" cy="1145512"/>
+            <a:off x="3182110" y="4084034"/>
+            <a:ext cx="2066213" cy="1145512"/>
           </a:xfrm>
           <a:prstGeom prst="roundRect">
             <a:avLst/>
@@ -16166,21 +16363,8 @@
             </a:r>
             <a:r>
               <a:rPr lang="fr-CH" dirty="0"/>
-              <a:t> (5) Split </a:t>
+              <a:t> (5) Split trainset &amp; testset</a:t>
             </a:r>
-            <a:r>
-              <a:rPr lang="fr-CH" dirty="0" err="1"/>
-              <a:t>trainset</a:t>
-            </a:r>
-            <a:r>
-              <a:rPr lang="fr-CH" dirty="0"/>
-              <a:t> &amp; </a:t>
-            </a:r>
-            <a:r>
-              <a:rPr lang="fr-CH" dirty="0" err="1"/>
-              <a:t>testset</a:t>
-            </a:r>
-            <a:endParaRPr lang="fr-CH" dirty="0"/>
           </a:p>
         </p:txBody>
       </p:sp>
@@ -16228,13 +16412,8 @@
             <a:pPr algn="ctr"/>
             <a:r>
               <a:rPr lang="fr-CH" dirty="0"/>
-              <a:t>Train / Score / </a:t>
+              <a:t>Train / Score / Predict</a:t>
             </a:r>
-            <a:r>
-              <a:rPr lang="fr-CH" dirty="0" err="1"/>
-              <a:t>Predict</a:t>
-            </a:r>
-            <a:endParaRPr lang="fr-CH" dirty="0"/>
           </a:p>
         </p:txBody>
       </p:sp>
@@ -16386,7 +16565,7 @@
         </p:nvSpPr>
         <p:spPr>
           <a:xfrm>
-            <a:off x="6588612" y="1431965"/>
+            <a:off x="6407748" y="1431965"/>
             <a:ext cx="2421280" cy="1145512"/>
           </a:xfrm>
           <a:prstGeom prst="roundRect">
@@ -16439,8 +16618,8 @@
         </p:nvCxnSpPr>
         <p:spPr>
           <a:xfrm>
-            <a:off x="5248321" y="3156668"/>
-            <a:ext cx="270208" cy="643908"/>
+            <a:off x="5248322" y="3156668"/>
+            <a:ext cx="270207" cy="643908"/>
           </a:xfrm>
           <a:prstGeom prst="straightConnector1">
             <a:avLst/>
@@ -17650,8 +17829,38 @@
         </p:blipFill>
         <p:spPr>
           <a:xfrm>
-            <a:off x="3425912" y="1610353"/>
+            <a:off x="1104743" y="1610353"/>
             <a:ext cx="6867525" cy="5124450"/>
+          </a:xfrm>
+          <a:prstGeom prst="rect">
+            <a:avLst/>
+          </a:prstGeom>
+        </p:spPr>
+      </p:pic>
+      <p:pic>
+        <p:nvPicPr>
+          <p:cNvPr id="4" name="Image 3">
+            <a:extLst>
+              <a:ext uri="{FF2B5EF4-FFF2-40B4-BE49-F238E27FC236}">
+                <a16:creationId xmlns:a16="http://schemas.microsoft.com/office/drawing/2014/main" id="{B3AD4E8B-F1DB-4716-A633-CB1C120D4D07}"/>
+              </a:ext>
+            </a:extLst>
+          </p:cNvPr>
+          <p:cNvPicPr>
+            <a:picLocks noChangeAspect="1"/>
+          </p:cNvPicPr>
+          <p:nvPr/>
+        </p:nvPicPr>
+        <p:blipFill>
+          <a:blip r:embed="rId3"/>
+          <a:stretch>
+            <a:fillRect/>
+          </a:stretch>
+        </p:blipFill>
+        <p:spPr>
+          <a:xfrm>
+            <a:off x="8112487" y="5619879"/>
+            <a:ext cx="3486150" cy="1085850"/>
           </a:xfrm>
           <a:prstGeom prst="rect">
             <a:avLst/>
@@ -17804,21 +18013,8 @@
               </a:r>
               <a:r>
                 <a:rPr lang="fr-CH" sz="4800" dirty="0"/>
-                <a:t> (5) Split </a:t>
+                <a:t> (5) Split trainset &amp; testset</a:t>
               </a:r>
-              <a:r>
-                <a:rPr lang="fr-CH" sz="4800" dirty="0" err="1"/>
-                <a:t>trainset</a:t>
-              </a:r>
-              <a:r>
-                <a:rPr lang="fr-CH" sz="4800" dirty="0"/>
-                <a:t> &amp; </a:t>
-              </a:r>
-              <a:r>
-                <a:rPr lang="fr-CH" sz="4800" dirty="0" err="1"/>
-                <a:t>testset</a:t>
-              </a:r>
-              <a:endParaRPr lang="fr-CH" sz="4800" dirty="0"/>
             </a:p>
           </p:txBody>
         </p:sp>
@@ -17939,21 +18135,8 @@
             </a:r>
             <a:r>
               <a:rPr lang="fr-CH" dirty="0"/>
-              <a:t> (5) Split </a:t>
+              <a:t> (5) Split trainset &amp; testset</a:t>
             </a:r>
-            <a:r>
-              <a:rPr lang="fr-CH" dirty="0" err="1"/>
-              <a:t>trainset</a:t>
-            </a:r>
-            <a:r>
-              <a:rPr lang="fr-CH" dirty="0"/>
-              <a:t> &amp; </a:t>
-            </a:r>
-            <a:r>
-              <a:rPr lang="fr-CH" dirty="0" err="1"/>
-              <a:t>testset</a:t>
-            </a:r>
-            <a:endParaRPr lang="fr-CH" dirty="0"/>
           </a:p>
         </p:txBody>
       </p:sp>
@@ -18001,13 +18184,8 @@
             <a:pPr algn="ctr"/>
             <a:r>
               <a:rPr lang="fr-CH" dirty="0"/>
-              <a:t>Train / Score / </a:t>
+              <a:t>Train / Score / Predict</a:t>
             </a:r>
-            <a:r>
-              <a:rPr lang="fr-CH" dirty="0" err="1"/>
-              <a:t>Predict</a:t>
-            </a:r>
-            <a:endParaRPr lang="fr-CH" dirty="0"/>
           </a:p>
         </p:txBody>
       </p:sp>
